--- a/your-project/product_draft.pptx
+++ b/your-project/product_draft.pptx
@@ -6,6 +6,7 @@
   </p:sldMasterIdLst>
   <p:sldIdLst>
     <p:sldId id="256" r:id="rId2"/>
+    <p:sldId id="257" r:id="rId3"/>
   </p:sldIdLst>
   <p:sldSz cx="12192000" cy="6858000"/>
   <p:notesSz cx="6858000" cy="9144000"/>
@@ -104,6 +105,11 @@
       </a:defRPr>
     </a:lvl9pPr>
   </p:defaultTextStyle>
+  <p:extLst>
+    <p:ext uri="{EFAFB233-063F-42B5-8137-9DF3F51BA10A}">
+      <p15:sldGuideLst xmlns:p15="http://schemas.microsoft.com/office/powerpoint/2012/main"/>
+    </p:ext>
+  </p:extLst>
 </p:presentation>
 </file>
 
@@ -238,7 +244,7 @@
           <a:p>
             <a:fld id="{5E1EF263-96B6-43C9-8A79-161AF0A4DBA4}" type="datetimeFigureOut">
               <a:rPr lang="en-US" smtClean="0"/>
-              <a:t>4/30/2022</a:t>
+              <a:t>5/3/2022</a:t>
             </a:fld>
             <a:endParaRPr lang="en-US"/>
           </a:p>
@@ -408,7 +414,7 @@
           <a:p>
             <a:fld id="{5E1EF263-96B6-43C9-8A79-161AF0A4DBA4}" type="datetimeFigureOut">
               <a:rPr lang="en-US" smtClean="0"/>
-              <a:t>4/30/2022</a:t>
+              <a:t>5/3/2022</a:t>
             </a:fld>
             <a:endParaRPr lang="en-US"/>
           </a:p>
@@ -588,7 +594,7 @@
           <a:p>
             <a:fld id="{5E1EF263-96B6-43C9-8A79-161AF0A4DBA4}" type="datetimeFigureOut">
               <a:rPr lang="en-US" smtClean="0"/>
-              <a:t>4/30/2022</a:t>
+              <a:t>5/3/2022</a:t>
             </a:fld>
             <a:endParaRPr lang="en-US"/>
           </a:p>
@@ -758,7 +764,7 @@
           <a:p>
             <a:fld id="{5E1EF263-96B6-43C9-8A79-161AF0A4DBA4}" type="datetimeFigureOut">
               <a:rPr lang="en-US" smtClean="0"/>
-              <a:t>4/30/2022</a:t>
+              <a:t>5/3/2022</a:t>
             </a:fld>
             <a:endParaRPr lang="en-US"/>
           </a:p>
@@ -1004,7 +1010,7 @@
           <a:p>
             <a:fld id="{5E1EF263-96B6-43C9-8A79-161AF0A4DBA4}" type="datetimeFigureOut">
               <a:rPr lang="en-US" smtClean="0"/>
-              <a:t>4/30/2022</a:t>
+              <a:t>5/3/2022</a:t>
             </a:fld>
             <a:endParaRPr lang="en-US"/>
           </a:p>
@@ -1236,7 +1242,7 @@
           <a:p>
             <a:fld id="{5E1EF263-96B6-43C9-8A79-161AF0A4DBA4}" type="datetimeFigureOut">
               <a:rPr lang="en-US" smtClean="0"/>
-              <a:t>4/30/2022</a:t>
+              <a:t>5/3/2022</a:t>
             </a:fld>
             <a:endParaRPr lang="en-US"/>
           </a:p>
@@ -1603,7 +1609,7 @@
           <a:p>
             <a:fld id="{5E1EF263-96B6-43C9-8A79-161AF0A4DBA4}" type="datetimeFigureOut">
               <a:rPr lang="en-US" smtClean="0"/>
-              <a:t>4/30/2022</a:t>
+              <a:t>5/3/2022</a:t>
             </a:fld>
             <a:endParaRPr lang="en-US"/>
           </a:p>
@@ -1721,7 +1727,7 @@
           <a:p>
             <a:fld id="{5E1EF263-96B6-43C9-8A79-161AF0A4DBA4}" type="datetimeFigureOut">
               <a:rPr lang="en-US" smtClean="0"/>
-              <a:t>4/30/2022</a:t>
+              <a:t>5/3/2022</a:t>
             </a:fld>
             <a:endParaRPr lang="en-US"/>
           </a:p>
@@ -1816,7 +1822,7 @@
           <a:p>
             <a:fld id="{5E1EF263-96B6-43C9-8A79-161AF0A4DBA4}" type="datetimeFigureOut">
               <a:rPr lang="en-US" smtClean="0"/>
-              <a:t>4/30/2022</a:t>
+              <a:t>5/3/2022</a:t>
             </a:fld>
             <a:endParaRPr lang="en-US"/>
           </a:p>
@@ -2093,7 +2099,7 @@
           <a:p>
             <a:fld id="{5E1EF263-96B6-43C9-8A79-161AF0A4DBA4}" type="datetimeFigureOut">
               <a:rPr lang="en-US" smtClean="0"/>
-              <a:t>4/30/2022</a:t>
+              <a:t>5/3/2022</a:t>
             </a:fld>
             <a:endParaRPr lang="en-US"/>
           </a:p>
@@ -2346,7 +2352,7 @@
           <a:p>
             <a:fld id="{5E1EF263-96B6-43C9-8A79-161AF0A4DBA4}" type="datetimeFigureOut">
               <a:rPr lang="en-US" smtClean="0"/>
-              <a:t>4/30/2022</a:t>
+              <a:t>5/3/2022</a:t>
             </a:fld>
             <a:endParaRPr lang="en-US"/>
           </a:p>
@@ -2559,7 +2565,7 @@
           <a:p>
             <a:fld id="{5E1EF263-96B6-43C9-8A79-161AF0A4DBA4}" type="datetimeFigureOut">
               <a:rPr lang="en-US" smtClean="0"/>
-              <a:t>4/30/2022</a:t>
+              <a:t>5/3/2022</a:t>
             </a:fld>
             <a:endParaRPr lang="en-US"/>
           </a:p>
@@ -3000,7 +3006,11 @@
           <a:lstStyle/>
           <a:p>
             <a:pPr algn="ctr"/>
-            <a:endParaRPr lang="en-US"/>
+            <a:r>
+              <a:rPr lang="en-US" dirty="0" smtClean="0"/>
+              <a:t>Dublin</a:t>
+            </a:r>
+            <a:endParaRPr lang="en-US" dirty="0"/>
           </a:p>
         </p:txBody>
       </p:sp>
@@ -3116,7 +3126,11 @@
           <a:lstStyle/>
           <a:p>
             <a:pPr algn="ctr"/>
-            <a:endParaRPr lang="en-US"/>
+            <a:r>
+              <a:rPr lang="en-US" dirty="0" smtClean="0"/>
+              <a:t>Madrid</a:t>
+            </a:r>
+            <a:endParaRPr lang="en-US" dirty="0"/>
           </a:p>
         </p:txBody>
       </p:sp>
@@ -3129,13 +3143,13 @@
           <p:nvPr>
             <p:extLst>
               <p:ext uri="{D42A27DB-BD31-4B8C-83A1-F6EECF244321}">
-                <p14:modId xmlns:p14="http://schemas.microsoft.com/office/powerpoint/2010/main" val="388501068"/>
+                <p14:modId xmlns:p14="http://schemas.microsoft.com/office/powerpoint/2010/main" val="811235447"/>
               </p:ext>
             </p:extLst>
           </p:nvPr>
         </p:nvGraphicFramePr>
         <p:xfrm>
-          <a:off x="1875294" y="2006986"/>
+          <a:off x="2634712" y="2108994"/>
           <a:ext cx="5920354" cy="1854200"/>
         </p:xfrm>
         <a:graphic>
@@ -3848,14 +3862,14 @@
       </p:graphicFrame>
       <p:sp>
         <p:nvSpPr>
-          <p:cNvPr id="11" name="CuadroTexto 10"/>
+          <p:cNvPr id="9" name="CuadroTexto 8"/>
           <p:cNvSpPr txBox="1"/>
           <p:nvPr/>
         </p:nvSpPr>
         <p:spPr>
           <a:xfrm>
-            <a:off x="8919275" y="1541993"/>
-            <a:ext cx="2278250" cy="923330"/>
+            <a:off x="6121830" y="1083568"/>
+            <a:ext cx="2929180" cy="369332"/>
           </a:xfrm>
           <a:prstGeom prst="rect">
             <a:avLst/>
@@ -3869,17 +3883,90 @@
           <a:lstStyle/>
           <a:p>
             <a:r>
+              <a:rPr lang="en-US" dirty="0" err="1" smtClean="0"/>
+              <a:t>Posicion</a:t>
+            </a:r>
+            <a:r>
               <a:rPr lang="en-US" dirty="0" smtClean="0"/>
-              <a:t>Weather</a:t>
-            </a:r>
-          </a:p>
-          <a:p>
+              <a:t>: Data ……</a:t>
+            </a:r>
+            <a:endParaRPr lang="en-US" dirty="0"/>
+          </a:p>
+        </p:txBody>
+      </p:sp>
+      <p:sp>
+        <p:nvSpPr>
+          <p:cNvPr id="2" name="CuadroTexto 1"/>
+          <p:cNvSpPr txBox="1"/>
+          <p:nvPr/>
+        </p:nvSpPr>
+        <p:spPr>
+          <a:xfrm>
+            <a:off x="8857129" y="1013012"/>
+            <a:ext cx="2375647" cy="1754326"/>
+          </a:xfrm>
+          <a:prstGeom prst="rect">
+            <a:avLst/>
+          </a:prstGeom>
+          <a:noFill/>
+        </p:spPr>
+        <p:txBody>
+          <a:bodyPr wrap="square" rtlCol="0">
+            <a:spAutoFit/>
+          </a:bodyPr>
+          <a:lstStyle/>
+          <a:p>
+            <a:r>
+              <a:rPr lang="en-US" dirty="0" err="1" smtClean="0"/>
+              <a:t>Considerar</a:t>
+            </a:r>
             <a:r>
               <a:rPr lang="en-US" dirty="0" smtClean="0"/>
-              <a:t>Pollution</a:t>
-            </a:r>
-          </a:p>
-          <a:p>
+              <a:t> 2 </a:t>
+            </a:r>
+            <a:r>
+              <a:rPr lang="en-US" dirty="0" err="1" smtClean="0"/>
+              <a:t>ejemplos</a:t>
+            </a:r>
+            <a:endParaRPr lang="en-US" dirty="0" smtClean="0"/>
+          </a:p>
+          <a:p>
+            <a:r>
+              <a:rPr lang="en-US" dirty="0" smtClean="0"/>
+              <a:t>Meter imagines de </a:t>
+            </a:r>
+            <a:r>
+              <a:rPr lang="en-US" dirty="0" err="1" smtClean="0"/>
+              <a:t>NinJa</a:t>
+            </a:r>
+            <a:r>
+              <a:rPr lang="en-US" dirty="0" smtClean="0"/>
+              <a:t>, logo </a:t>
+            </a:r>
+            <a:r>
+              <a:rPr lang="en-US" dirty="0" err="1" smtClean="0"/>
+              <a:t>glassdoor</a:t>
+            </a:r>
+            <a:endParaRPr lang="en-US" dirty="0" smtClean="0"/>
+          </a:p>
+          <a:p>
+            <a:r>
+              <a:rPr lang="en-US" dirty="0" smtClean="0"/>
+              <a:t>NUMBEO</a:t>
+            </a:r>
+          </a:p>
+          <a:p>
+            <a:endParaRPr lang="en-US" dirty="0"/>
+          </a:p>
+          <a:p>
+            <a:r>
+              <a:rPr lang="en-US" dirty="0" err="1" smtClean="0"/>
+              <a:t>Presentar</a:t>
+            </a:r>
+            <a:r>
+              <a:rPr lang="en-US" dirty="0" smtClean="0"/>
+              <a:t> Sources</a:t>
+            </a:r>
             <a:endParaRPr lang="en-US" dirty="0"/>
           </a:p>
         </p:txBody>
@@ -3888,6 +3975,83 @@
     <p:extLst>
       <p:ext uri="{BB962C8B-B14F-4D97-AF65-F5344CB8AC3E}">
         <p14:creationId xmlns:p14="http://schemas.microsoft.com/office/powerpoint/2010/main" val="1942931463"/>
+      </p:ext>
+    </p:extLst>
+  </p:cSld>
+  <p:clrMapOvr>
+    <a:masterClrMapping/>
+  </p:clrMapOvr>
+</p:sld>
+</file>
+
+<file path=ppt/slides/slide2.xml><?xml version="1.0" encoding="utf-8"?>
+<p:sld xmlns:a="http://schemas.openxmlformats.org/drawingml/2006/main" xmlns:r="http://schemas.openxmlformats.org/officeDocument/2006/relationships" xmlns:p="http://schemas.openxmlformats.org/presentationml/2006/main">
+  <p:cSld>
+    <p:spTree>
+      <p:nvGrpSpPr>
+        <p:cNvPr id="1" name=""/>
+        <p:cNvGrpSpPr/>
+        <p:nvPr/>
+      </p:nvGrpSpPr>
+      <p:grpSpPr>
+        <a:xfrm>
+          <a:off x="0" y="0"/>
+          <a:ext cx="0" cy="0"/>
+          <a:chOff x="0" y="0"/>
+          <a:chExt cx="0" cy="0"/>
+        </a:xfrm>
+      </p:grpSpPr>
+      <p:sp>
+        <p:nvSpPr>
+          <p:cNvPr id="4" name="CuadroTexto 3"/>
+          <p:cNvSpPr txBox="1"/>
+          <p:nvPr/>
+        </p:nvSpPr>
+        <p:spPr>
+          <a:xfrm>
+            <a:off x="851647" y="896471"/>
+            <a:ext cx="6499412" cy="1754326"/>
+          </a:xfrm>
+          <a:prstGeom prst="rect">
+            <a:avLst/>
+          </a:prstGeom>
+          <a:noFill/>
+        </p:spPr>
+        <p:txBody>
+          <a:bodyPr wrap="square" rtlCol="0">
+            <a:spAutoFit/>
+          </a:bodyPr>
+          <a:lstStyle/>
+          <a:p>
+            <a:r>
+              <a:rPr lang="en-US" dirty="0" smtClean="0"/>
+              <a:t>Ninja</a:t>
+            </a:r>
+          </a:p>
+          <a:p>
+            <a:endParaRPr lang="en-US" dirty="0"/>
+          </a:p>
+          <a:p>
+            <a:r>
+              <a:rPr lang="en-US" dirty="0" smtClean="0"/>
+              <a:t>Air quality by API Ninja *Mostar indices y comparer 2 personas</a:t>
+            </a:r>
+          </a:p>
+          <a:p>
+            <a:endParaRPr lang="en-US" dirty="0" smtClean="0"/>
+          </a:p>
+          <a:p>
+            <a:endParaRPr lang="en-US" dirty="0"/>
+          </a:p>
+          <a:p>
+            <a:endParaRPr lang="en-US" dirty="0"/>
+          </a:p>
+        </p:txBody>
+      </p:sp>
+    </p:spTree>
+    <p:extLst>
+      <p:ext uri="{BB962C8B-B14F-4D97-AF65-F5344CB8AC3E}">
+        <p14:creationId xmlns:p14="http://schemas.microsoft.com/office/powerpoint/2010/main" val="1079512410"/>
       </p:ext>
     </p:extLst>
   </p:cSld>
